--- a/Презентація.pptx
+++ b/Презентація.pptx
@@ -3502,7 +3502,7 @@
         <p:spPr>
           <a:xfrm>
             <a:off x="500285" y="2812190"/>
-            <a:ext cx="17287430" cy="5126990"/>
+            <a:ext cx="17287430" cy="5257850"/>
           </a:xfrm>
           <a:prstGeom prst="rect">
             <a:avLst/>
@@ -3520,13 +3520,337 @@
               </a:lnSpc>
             </a:pPr>
             <a:r>
-              <a:rPr lang="en-US" sz="2899" spc="-57">
-                <a:solidFill>
-                  <a:srgbClr val="36211B"/>
-                </a:solidFill>
-                <a:latin typeface="Body Grotesque Fit Thin"/>
-              </a:rPr>
-              <a:t>  Розвиток електронної комерції став важливою складовою сучасного бізнесу, що дозволяє компаніям ефективно продавати товари та послуги через Інтернет. </a:t>
+              <a:rPr lang="en-US" sz="2899" spc="-57" dirty="0">
+                <a:solidFill>
+                  <a:srgbClr val="36211B"/>
+                </a:solidFill>
+                <a:latin typeface="Body Grotesque Fit Thin"/>
+              </a:rPr>
+              <a:t>  </a:t>
+            </a:r>
+            <a:r>
+              <a:rPr lang="en-US" sz="2899" spc="-57" dirty="0" err="1">
+                <a:solidFill>
+                  <a:srgbClr val="36211B"/>
+                </a:solidFill>
+                <a:latin typeface="Body Grotesque Fit Thin"/>
+              </a:rPr>
+              <a:t>Розвиток</a:t>
+            </a:r>
+            <a:r>
+              <a:rPr lang="en-US" sz="2899" spc="-57" dirty="0">
+                <a:solidFill>
+                  <a:srgbClr val="36211B"/>
+                </a:solidFill>
+                <a:latin typeface="Body Grotesque Fit Thin"/>
+              </a:rPr>
+              <a:t> </a:t>
+            </a:r>
+            <a:r>
+              <a:rPr lang="en-US" sz="2899" spc="-57" dirty="0" err="1">
+                <a:solidFill>
+                  <a:srgbClr val="36211B"/>
+                </a:solidFill>
+                <a:latin typeface="Body Grotesque Fit Thin"/>
+              </a:rPr>
+              <a:t>електронної</a:t>
+            </a:r>
+            <a:r>
+              <a:rPr lang="en-US" sz="2899" spc="-57" dirty="0">
+                <a:solidFill>
+                  <a:srgbClr val="36211B"/>
+                </a:solidFill>
+                <a:latin typeface="Body Grotesque Fit Thin"/>
+              </a:rPr>
+              <a:t> </a:t>
+            </a:r>
+            <a:r>
+              <a:rPr lang="en-US" sz="2899" spc="-57" dirty="0" err="1">
+                <a:solidFill>
+                  <a:srgbClr val="36211B"/>
+                </a:solidFill>
+                <a:latin typeface="Body Grotesque Fit Thin"/>
+              </a:rPr>
+              <a:t>комерції</a:t>
+            </a:r>
+            <a:r>
+              <a:rPr lang="en-US" sz="2899" spc="-57" dirty="0">
+                <a:solidFill>
+                  <a:srgbClr val="36211B"/>
+                </a:solidFill>
+                <a:latin typeface="Body Grotesque Fit Thin"/>
+              </a:rPr>
+              <a:t> </a:t>
+            </a:r>
+            <a:r>
+              <a:rPr lang="en-US" sz="2899" spc="-57" dirty="0" err="1">
+                <a:solidFill>
+                  <a:srgbClr val="36211B"/>
+                </a:solidFill>
+                <a:latin typeface="Body Grotesque Fit Thin"/>
+              </a:rPr>
+              <a:t>став</a:t>
+            </a:r>
+            <a:r>
+              <a:rPr lang="en-US" sz="2899" spc="-57" dirty="0">
+                <a:solidFill>
+                  <a:srgbClr val="36211B"/>
+                </a:solidFill>
+                <a:latin typeface="Body Grotesque Fit Thin"/>
+              </a:rPr>
+              <a:t> </a:t>
+            </a:r>
+            <a:r>
+              <a:rPr lang="en-US" sz="2899" spc="-57" dirty="0" err="1">
+                <a:solidFill>
+                  <a:srgbClr val="36211B"/>
+                </a:solidFill>
+                <a:latin typeface="Body Grotesque Fit Thin"/>
+              </a:rPr>
+              <a:t>важливою</a:t>
+            </a:r>
+            <a:r>
+              <a:rPr lang="en-US" sz="2899" spc="-57" dirty="0">
+                <a:solidFill>
+                  <a:srgbClr val="36211B"/>
+                </a:solidFill>
+                <a:latin typeface="Body Grotesque Fit Thin"/>
+              </a:rPr>
+              <a:t> </a:t>
+            </a:r>
+            <a:r>
+              <a:rPr lang="en-US" sz="2899" spc="-57" dirty="0" err="1">
+                <a:solidFill>
+                  <a:srgbClr val="36211B"/>
+                </a:solidFill>
+                <a:latin typeface="Body Grotesque Fit Thin"/>
+              </a:rPr>
+              <a:t>складовою</a:t>
+            </a:r>
+            <a:r>
+              <a:rPr lang="en-US" sz="2899" spc="-57" dirty="0">
+                <a:solidFill>
+                  <a:srgbClr val="36211B"/>
+                </a:solidFill>
+                <a:latin typeface="Body Grotesque Fit Thin"/>
+              </a:rPr>
+              <a:t> </a:t>
+            </a:r>
+            <a:r>
+              <a:rPr lang="en-US" sz="2899" spc="-57" dirty="0" err="1">
+                <a:solidFill>
+                  <a:srgbClr val="36211B"/>
+                </a:solidFill>
+                <a:latin typeface="Body Grotesque Fit Thin"/>
+              </a:rPr>
+              <a:t>сучасного</a:t>
+            </a:r>
+            <a:r>
+              <a:rPr lang="en-US" sz="2899" spc="-57" dirty="0">
+                <a:solidFill>
+                  <a:srgbClr val="36211B"/>
+                </a:solidFill>
+                <a:latin typeface="Body Grotesque Fit Thin"/>
+              </a:rPr>
+              <a:t> </a:t>
+            </a:r>
+            <a:r>
+              <a:rPr lang="en-US" sz="2899" spc="-57" dirty="0" err="1">
+                <a:solidFill>
+                  <a:srgbClr val="36211B"/>
+                </a:solidFill>
+                <a:latin typeface="Body Grotesque Fit Thin"/>
+              </a:rPr>
+              <a:t>бізнесу</a:t>
+            </a:r>
+            <a:r>
+              <a:rPr lang="en-US" sz="2899" spc="-57" dirty="0">
+                <a:solidFill>
+                  <a:srgbClr val="36211B"/>
+                </a:solidFill>
+                <a:latin typeface="Body Grotesque Fit Thin"/>
+              </a:rPr>
+              <a:t>, </a:t>
+            </a:r>
+            <a:r>
+              <a:rPr lang="en-US" sz="2899" spc="-57" dirty="0" err="1">
+                <a:solidFill>
+                  <a:srgbClr val="36211B"/>
+                </a:solidFill>
+                <a:latin typeface="Body Grotesque Fit Thin"/>
+              </a:rPr>
+              <a:t>що</a:t>
+            </a:r>
+            <a:r>
+              <a:rPr lang="en-US" sz="2899" spc="-57" dirty="0">
+                <a:solidFill>
+                  <a:srgbClr val="36211B"/>
+                </a:solidFill>
+                <a:latin typeface="Body Grotesque Fit Thin"/>
+              </a:rPr>
+              <a:t> </a:t>
+            </a:r>
+            <a:r>
+              <a:rPr lang="en-US" sz="2899" spc="-57" dirty="0" err="1">
+                <a:solidFill>
+                  <a:srgbClr val="36211B"/>
+                </a:solidFill>
+                <a:latin typeface="Body Grotesque Fit Thin"/>
+              </a:rPr>
+              <a:t>дозволяє</a:t>
+            </a:r>
+            <a:r>
+              <a:rPr lang="en-US" sz="2899" spc="-57" dirty="0">
+                <a:solidFill>
+                  <a:srgbClr val="36211B"/>
+                </a:solidFill>
+                <a:latin typeface="Body Grotesque Fit Thin"/>
+              </a:rPr>
+              <a:t> </a:t>
+            </a:r>
+            <a:r>
+              <a:rPr lang="en-US" sz="2899" spc="-57" dirty="0" err="1">
+                <a:solidFill>
+                  <a:srgbClr val="36211B"/>
+                </a:solidFill>
+                <a:latin typeface="Body Grotesque Fit Thin"/>
+              </a:rPr>
+              <a:t>компаніям</a:t>
+            </a:r>
+            <a:r>
+              <a:rPr lang="en-US" sz="2899" spc="-57" dirty="0">
+                <a:solidFill>
+                  <a:srgbClr val="36211B"/>
+                </a:solidFill>
+                <a:latin typeface="Body Grotesque Fit Thin"/>
+              </a:rPr>
+              <a:t> </a:t>
+            </a:r>
+            <a:r>
+              <a:rPr lang="en-US" sz="2899" spc="-57" dirty="0" err="1">
+                <a:solidFill>
+                  <a:srgbClr val="36211B"/>
+                </a:solidFill>
+                <a:latin typeface="Body Grotesque Fit Thin"/>
+              </a:rPr>
+              <a:t>ефективно</a:t>
+            </a:r>
+            <a:r>
+              <a:rPr lang="en-US" sz="2899" spc="-57" dirty="0">
+                <a:solidFill>
+                  <a:srgbClr val="36211B"/>
+                </a:solidFill>
+                <a:latin typeface="Body Grotesque Fit Thin"/>
+              </a:rPr>
+              <a:t> </a:t>
+            </a:r>
+            <a:r>
+              <a:rPr lang="en-US" sz="2899" spc="-57" dirty="0" err="1">
+                <a:solidFill>
+                  <a:srgbClr val="36211B"/>
+                </a:solidFill>
+                <a:latin typeface="Body Grotesque Fit Thin"/>
+              </a:rPr>
+              <a:t>продавати</a:t>
+            </a:r>
+            <a:r>
+              <a:rPr lang="en-US" sz="2899" spc="-57" dirty="0">
+                <a:solidFill>
+                  <a:srgbClr val="36211B"/>
+                </a:solidFill>
+                <a:latin typeface="Body Grotesque Fit Thin"/>
+              </a:rPr>
+              <a:t> </a:t>
+            </a:r>
+            <a:r>
+              <a:rPr lang="en-US" sz="2899" spc="-57" dirty="0" err="1">
+                <a:solidFill>
+                  <a:srgbClr val="36211B"/>
+                </a:solidFill>
+                <a:latin typeface="Body Grotesque Fit Thin"/>
+              </a:rPr>
+              <a:t>товари</a:t>
+            </a:r>
+            <a:r>
+              <a:rPr lang="en-US" sz="2899" spc="-57" dirty="0">
+                <a:solidFill>
+                  <a:srgbClr val="36211B"/>
+                </a:solidFill>
+                <a:latin typeface="Body Grotesque Fit Thin"/>
+              </a:rPr>
+              <a:t> </a:t>
+            </a:r>
+            <a:r>
+              <a:rPr lang="en-US" sz="2899" spc="-57" dirty="0" err="1">
+                <a:solidFill>
+                  <a:srgbClr val="36211B"/>
+                </a:solidFill>
+                <a:latin typeface="Body Grotesque Fit Thin"/>
+              </a:rPr>
+              <a:t>та</a:t>
+            </a:r>
+            <a:r>
+              <a:rPr lang="en-US" sz="2899" spc="-57" dirty="0">
+                <a:solidFill>
+                  <a:srgbClr val="36211B"/>
+                </a:solidFill>
+                <a:latin typeface="Body Grotesque Fit Thin"/>
+              </a:rPr>
+              <a:t> </a:t>
+            </a:r>
+            <a:r>
+              <a:rPr lang="en-US" sz="2899" spc="-57" dirty="0" err="1">
+                <a:solidFill>
+                  <a:srgbClr val="36211B"/>
+                </a:solidFill>
+                <a:latin typeface="Body Grotesque Fit Thin"/>
+              </a:rPr>
+              <a:t>послуги</a:t>
+            </a:r>
+            <a:r>
+              <a:rPr lang="en-US" sz="2899" spc="-57" dirty="0">
+                <a:solidFill>
+                  <a:srgbClr val="36211B"/>
+                </a:solidFill>
+                <a:latin typeface="Body Grotesque Fit Thin"/>
+              </a:rPr>
+              <a:t> </a:t>
+            </a:r>
+            <a:r>
+              <a:rPr lang="en-US" sz="2899" spc="-57" dirty="0" err="1">
+                <a:solidFill>
+                  <a:srgbClr val="36211B"/>
+                </a:solidFill>
+                <a:latin typeface="Body Grotesque Fit Thin"/>
+              </a:rPr>
+              <a:t>через</a:t>
+            </a:r>
+            <a:r>
+              <a:rPr lang="en-US" sz="2899" spc="-57" dirty="0">
+                <a:solidFill>
+                  <a:srgbClr val="36211B"/>
+                </a:solidFill>
+                <a:latin typeface="Body Grotesque Fit Thin"/>
+              </a:rPr>
+              <a:t> </a:t>
+            </a:r>
+            <a:r>
+              <a:rPr lang="en-US" sz="2899" spc="-57" dirty="0" err="1">
+                <a:solidFill>
+                  <a:srgbClr val="36211B"/>
+                </a:solidFill>
+                <a:latin typeface="Body Grotesque Fit Thin"/>
+              </a:rPr>
+              <a:t>Інтернет</a:t>
+            </a:r>
+            <a:r>
+              <a:rPr lang="en-US" sz="2899" spc="-57" dirty="0">
+                <a:solidFill>
+                  <a:srgbClr val="36211B"/>
+                </a:solidFill>
+                <a:latin typeface="Body Grotesque Fit Thin"/>
+              </a:rPr>
+              <a:t>. </a:t>
             </a:r>
           </a:p>
           <a:p>
@@ -3535,7 +3859,7 @@
                 <a:spcPts val="4059"/>
               </a:lnSpc>
             </a:pPr>
-            <a:endParaRPr lang="en-US" sz="2899" spc="-57">
+            <a:endParaRPr lang="en-US" sz="2899" spc="-57" dirty="0">
               <a:solidFill>
                 <a:srgbClr val="36211B"/>
               </a:solidFill>
@@ -3549,13 +3873,517 @@
               </a:lnSpc>
             </a:pPr>
             <a:r>
-              <a:rPr lang="en-US" sz="2899" spc="-57">
-                <a:solidFill>
-                  <a:srgbClr val="36211B"/>
-                </a:solidFill>
-                <a:latin typeface="Body Grotesque Fit Thin"/>
-              </a:rPr>
-              <a:t>  Одним із важливих сегментів цього ринку є продаж кам'яних виробів. Створення інтернет-магазину кам'яних пам'ятників дає можливість клієнтам зручно та швидко вибирати, замовляти продукцію, що відповідає їхнім потребам та вимогам. </a:t>
+              <a:rPr lang="en-US" sz="2899" spc="-57" dirty="0">
+                <a:solidFill>
+                  <a:srgbClr val="36211B"/>
+                </a:solidFill>
+                <a:latin typeface="Body Grotesque Fit Thin"/>
+              </a:rPr>
+              <a:t>  </a:t>
+            </a:r>
+            <a:r>
+              <a:rPr lang="en-US" sz="2899" spc="-57" dirty="0" err="1">
+                <a:solidFill>
+                  <a:srgbClr val="36211B"/>
+                </a:solidFill>
+                <a:latin typeface="Body Grotesque Fit Thin"/>
+              </a:rPr>
+              <a:t>Одним</a:t>
+            </a:r>
+            <a:r>
+              <a:rPr lang="en-US" sz="2899" spc="-57" dirty="0">
+                <a:solidFill>
+                  <a:srgbClr val="36211B"/>
+                </a:solidFill>
+                <a:latin typeface="Body Grotesque Fit Thin"/>
+              </a:rPr>
+              <a:t> </a:t>
+            </a:r>
+            <a:r>
+              <a:rPr lang="en-US" sz="2899" spc="-57" dirty="0" err="1">
+                <a:solidFill>
+                  <a:srgbClr val="36211B"/>
+                </a:solidFill>
+                <a:latin typeface="Body Grotesque Fit Thin"/>
+              </a:rPr>
+              <a:t>із</a:t>
+            </a:r>
+            <a:r>
+              <a:rPr lang="en-US" sz="2899" spc="-57" dirty="0">
+                <a:solidFill>
+                  <a:srgbClr val="36211B"/>
+                </a:solidFill>
+                <a:latin typeface="Body Grotesque Fit Thin"/>
+              </a:rPr>
+              <a:t> </a:t>
+            </a:r>
+            <a:r>
+              <a:rPr lang="en-US" sz="2899" spc="-57" dirty="0" err="1">
+                <a:solidFill>
+                  <a:srgbClr val="36211B"/>
+                </a:solidFill>
+                <a:latin typeface="Body Grotesque Fit Thin"/>
+              </a:rPr>
+              <a:t>важливих</a:t>
+            </a:r>
+            <a:r>
+              <a:rPr lang="en-US" sz="2899" spc="-57" dirty="0">
+                <a:solidFill>
+                  <a:srgbClr val="36211B"/>
+                </a:solidFill>
+                <a:latin typeface="Body Grotesque Fit Thin"/>
+              </a:rPr>
+              <a:t> </a:t>
+            </a:r>
+            <a:r>
+              <a:rPr lang="en-US" sz="2899" spc="-57" dirty="0" err="1">
+                <a:solidFill>
+                  <a:srgbClr val="36211B"/>
+                </a:solidFill>
+                <a:latin typeface="Body Grotesque Fit Thin"/>
+              </a:rPr>
+              <a:t>сегментів</a:t>
+            </a:r>
+            <a:r>
+              <a:rPr lang="en-US" sz="2899" spc="-57" dirty="0">
+                <a:solidFill>
+                  <a:srgbClr val="36211B"/>
+                </a:solidFill>
+                <a:latin typeface="Body Grotesque Fit Thin"/>
+              </a:rPr>
+              <a:t> </a:t>
+            </a:r>
+            <a:r>
+              <a:rPr lang="en-US" sz="2899" spc="-57" dirty="0" err="1">
+                <a:solidFill>
+                  <a:srgbClr val="36211B"/>
+                </a:solidFill>
+                <a:latin typeface="Body Grotesque Fit Thin"/>
+              </a:rPr>
+              <a:t>цього</a:t>
+            </a:r>
+            <a:r>
+              <a:rPr lang="en-US" sz="2899" spc="-57" dirty="0">
+                <a:solidFill>
+                  <a:srgbClr val="36211B"/>
+                </a:solidFill>
+                <a:latin typeface="Body Grotesque Fit Thin"/>
+              </a:rPr>
+              <a:t> </a:t>
+            </a:r>
+            <a:r>
+              <a:rPr lang="en-US" sz="2899" spc="-57" dirty="0" err="1">
+                <a:solidFill>
+                  <a:srgbClr val="36211B"/>
+                </a:solidFill>
+                <a:latin typeface="Body Grotesque Fit Thin"/>
+              </a:rPr>
+              <a:t>ринку</a:t>
+            </a:r>
+            <a:r>
+              <a:rPr lang="en-US" sz="2899" spc="-57" dirty="0">
+                <a:solidFill>
+                  <a:srgbClr val="36211B"/>
+                </a:solidFill>
+                <a:latin typeface="Body Grotesque Fit Thin"/>
+              </a:rPr>
+              <a:t> є </a:t>
+            </a:r>
+            <a:r>
+              <a:rPr lang="en-US" sz="2899" spc="-57" dirty="0" err="1">
+                <a:solidFill>
+                  <a:srgbClr val="36211B"/>
+                </a:solidFill>
+                <a:latin typeface="Body Grotesque Fit Thin"/>
+              </a:rPr>
+              <a:t>продаж</a:t>
+            </a:r>
+            <a:r>
+              <a:rPr lang="en-US" sz="2899" spc="-57" dirty="0">
+                <a:solidFill>
+                  <a:srgbClr val="36211B"/>
+                </a:solidFill>
+                <a:latin typeface="Body Grotesque Fit Thin"/>
+              </a:rPr>
+              <a:t> </a:t>
+            </a:r>
+            <a:r>
+              <a:rPr lang="en-US" sz="2899" spc="-57" dirty="0" err="1">
+                <a:solidFill>
+                  <a:srgbClr val="36211B"/>
+                </a:solidFill>
+                <a:latin typeface="Body Grotesque Fit Thin"/>
+              </a:rPr>
+              <a:t>кам'яних</a:t>
+            </a:r>
+            <a:r>
+              <a:rPr lang="en-US" sz="2899" spc="-57" dirty="0">
+                <a:solidFill>
+                  <a:srgbClr val="36211B"/>
+                </a:solidFill>
+                <a:latin typeface="Body Grotesque Fit Thin"/>
+              </a:rPr>
+              <a:t> </a:t>
+            </a:r>
+            <a:r>
+              <a:rPr lang="en-US" sz="2899" spc="-57" dirty="0" err="1">
+                <a:solidFill>
+                  <a:srgbClr val="36211B"/>
+                </a:solidFill>
+                <a:latin typeface="Body Grotesque Fit Thin"/>
+              </a:rPr>
+              <a:t>виробів</a:t>
+            </a:r>
+            <a:r>
+              <a:rPr lang="en-US" sz="2899" spc="-57" dirty="0">
+                <a:solidFill>
+                  <a:srgbClr val="36211B"/>
+                </a:solidFill>
+                <a:latin typeface="Body Grotesque Fit Thin"/>
+              </a:rPr>
+              <a:t>. </a:t>
+            </a:r>
+            <a:r>
+              <a:rPr lang="en-US" sz="2899" spc="-57" dirty="0" err="1">
+                <a:solidFill>
+                  <a:srgbClr val="36211B"/>
+                </a:solidFill>
+                <a:latin typeface="Body Grotesque Fit Thin"/>
+              </a:rPr>
+              <a:t>Створення</a:t>
+            </a:r>
+            <a:r>
+              <a:rPr lang="en-US" sz="2899" spc="-57" dirty="0">
+                <a:solidFill>
+                  <a:srgbClr val="36211B"/>
+                </a:solidFill>
+                <a:latin typeface="Body Grotesque Fit Thin"/>
+              </a:rPr>
+              <a:t> </a:t>
+            </a:r>
+            <a:r>
+              <a:rPr lang="en-US" sz="2899" spc="-57" dirty="0" err="1">
+                <a:solidFill>
+                  <a:srgbClr val="36211B"/>
+                </a:solidFill>
+                <a:latin typeface="Body Grotesque Fit Thin"/>
+              </a:rPr>
+              <a:t>інтернет-магазину</a:t>
+            </a:r>
+            <a:r>
+              <a:rPr lang="en-US" sz="2899" spc="-57" dirty="0">
+                <a:solidFill>
+                  <a:srgbClr val="36211B"/>
+                </a:solidFill>
+                <a:latin typeface="Body Grotesque Fit Thin"/>
+              </a:rPr>
+              <a:t> </a:t>
+            </a:r>
+            <a:r>
+              <a:rPr lang="en-US" sz="2899" spc="-57" dirty="0" err="1">
+                <a:solidFill>
+                  <a:srgbClr val="36211B"/>
+                </a:solidFill>
+                <a:latin typeface="Body Grotesque Fit Thin"/>
+              </a:rPr>
+              <a:t>кам'яних</a:t>
+            </a:r>
+            <a:r>
+              <a:rPr lang="en-US" sz="2899" spc="-57" dirty="0">
+                <a:solidFill>
+                  <a:srgbClr val="36211B"/>
+                </a:solidFill>
+                <a:latin typeface="Body Grotesque Fit Thin"/>
+              </a:rPr>
+              <a:t> </a:t>
+            </a:r>
+            <a:r>
+              <a:rPr lang="en-US" sz="2899" spc="-57" dirty="0" err="1">
+                <a:solidFill>
+                  <a:srgbClr val="36211B"/>
+                </a:solidFill>
+                <a:latin typeface="Body Grotesque Fit Thin"/>
+              </a:rPr>
+              <a:t>пам'ятників</a:t>
+            </a:r>
+            <a:r>
+              <a:rPr lang="en-US" sz="2899" spc="-57" dirty="0">
+                <a:solidFill>
+                  <a:srgbClr val="36211B"/>
+                </a:solidFill>
+                <a:latin typeface="Body Grotesque Fit Thin"/>
+              </a:rPr>
+              <a:t> </a:t>
+            </a:r>
+            <a:r>
+              <a:rPr lang="en-US" sz="2899" spc="-57" dirty="0" err="1">
+                <a:solidFill>
+                  <a:srgbClr val="36211B"/>
+                </a:solidFill>
+                <a:latin typeface="Body Grotesque Fit Thin"/>
+              </a:rPr>
+              <a:t>дає</a:t>
+            </a:r>
+            <a:r>
+              <a:rPr lang="en-US" sz="2899" spc="-57" dirty="0">
+                <a:solidFill>
+                  <a:srgbClr val="36211B"/>
+                </a:solidFill>
+                <a:latin typeface="Body Grotesque Fit Thin"/>
+              </a:rPr>
+              <a:t> </a:t>
+            </a:r>
+            <a:r>
+              <a:rPr lang="en-US" sz="2899" spc="-57" dirty="0" err="1">
+                <a:solidFill>
+                  <a:srgbClr val="36211B"/>
+                </a:solidFill>
+                <a:latin typeface="Body Grotesque Fit Thin"/>
+              </a:rPr>
+              <a:t>можливість</a:t>
+            </a:r>
+            <a:r>
+              <a:rPr lang="en-US" sz="2899" spc="-57" dirty="0">
+                <a:solidFill>
+                  <a:srgbClr val="36211B"/>
+                </a:solidFill>
+                <a:latin typeface="Body Grotesque Fit Thin"/>
+              </a:rPr>
+              <a:t> </a:t>
+            </a:r>
+            <a:r>
+              <a:rPr lang="en-US" sz="2899" spc="-57" dirty="0" err="1">
+                <a:solidFill>
+                  <a:srgbClr val="36211B"/>
+                </a:solidFill>
+                <a:latin typeface="Body Grotesque Fit Thin"/>
+              </a:rPr>
+              <a:t>клієнтам</a:t>
+            </a:r>
+            <a:r>
+              <a:rPr lang="en-US" sz="2899" spc="-57" dirty="0">
+                <a:solidFill>
+                  <a:srgbClr val="36211B"/>
+                </a:solidFill>
+                <a:latin typeface="Body Grotesque Fit Thin"/>
+              </a:rPr>
+              <a:t> </a:t>
+            </a:r>
+            <a:r>
+              <a:rPr lang="en-US" sz="2899" spc="-57" dirty="0" err="1">
+                <a:solidFill>
+                  <a:srgbClr val="36211B"/>
+                </a:solidFill>
+                <a:latin typeface="Body Grotesque Fit Thin"/>
+              </a:rPr>
+              <a:t>зручно</a:t>
+            </a:r>
+            <a:r>
+              <a:rPr lang="en-US" sz="2899" spc="-57" dirty="0">
+                <a:solidFill>
+                  <a:srgbClr val="36211B"/>
+                </a:solidFill>
+                <a:latin typeface="Body Grotesque Fit Thin"/>
+              </a:rPr>
+              <a:t> </a:t>
+            </a:r>
+            <a:r>
+              <a:rPr lang="en-US" sz="2899" spc="-57" dirty="0" err="1">
+                <a:solidFill>
+                  <a:srgbClr val="36211B"/>
+                </a:solidFill>
+                <a:latin typeface="Body Grotesque Fit Thin"/>
+              </a:rPr>
+              <a:t>та</a:t>
+            </a:r>
+            <a:r>
+              <a:rPr lang="en-US" sz="2899" spc="-57" dirty="0">
+                <a:solidFill>
+                  <a:srgbClr val="36211B"/>
+                </a:solidFill>
+                <a:latin typeface="Body Grotesque Fit Thin"/>
+              </a:rPr>
+              <a:t> </a:t>
+            </a:r>
+            <a:r>
+              <a:rPr lang="en-US" sz="2899" spc="-57" dirty="0" err="1">
+                <a:solidFill>
+                  <a:srgbClr val="36211B"/>
+                </a:solidFill>
+                <a:latin typeface="Body Grotesque Fit Thin"/>
+              </a:rPr>
+              <a:t>швидко</a:t>
+            </a:r>
+            <a:r>
+              <a:rPr lang="en-US" sz="2899" spc="-57" dirty="0">
+                <a:solidFill>
+                  <a:srgbClr val="36211B"/>
+                </a:solidFill>
+                <a:latin typeface="Body Grotesque Fit Thin"/>
+              </a:rPr>
+              <a:t> </a:t>
+            </a:r>
+            <a:r>
+              <a:rPr lang="en-US" sz="2899" spc="-57" dirty="0" err="1">
+                <a:solidFill>
+                  <a:srgbClr val="36211B"/>
+                </a:solidFill>
+                <a:latin typeface="Body Grotesque Fit Thin"/>
+              </a:rPr>
+              <a:t>вибирати</a:t>
+            </a:r>
+            <a:r>
+              <a:rPr lang="en-US" sz="2899" spc="-57" dirty="0">
+                <a:solidFill>
+                  <a:srgbClr val="36211B"/>
+                </a:solidFill>
+                <a:latin typeface="Body Grotesque Fit Thin"/>
+              </a:rPr>
+              <a:t>, </a:t>
+            </a:r>
+            <a:r>
+              <a:rPr lang="en-US" sz="2899" spc="-57" dirty="0" err="1">
+                <a:solidFill>
+                  <a:srgbClr val="36211B"/>
+                </a:solidFill>
+                <a:latin typeface="Body Grotesque Fit Thin"/>
+              </a:rPr>
+              <a:t>замовляти</a:t>
+            </a:r>
+            <a:r>
+              <a:rPr lang="en-US" sz="2899" spc="-57" dirty="0">
+                <a:solidFill>
+                  <a:srgbClr val="36211B"/>
+                </a:solidFill>
+                <a:latin typeface="Body Grotesque Fit Thin"/>
+              </a:rPr>
+              <a:t> </a:t>
+            </a:r>
+            <a:r>
+              <a:rPr lang="en-US" sz="2899" spc="-57" dirty="0" err="1">
+                <a:solidFill>
+                  <a:srgbClr val="36211B"/>
+                </a:solidFill>
+                <a:latin typeface="Body Grotesque Fit Thin"/>
+              </a:rPr>
+              <a:t>продукцію</a:t>
+            </a:r>
+            <a:r>
+              <a:rPr lang="en-US" sz="2899" spc="-57" dirty="0">
+                <a:solidFill>
+                  <a:srgbClr val="36211B"/>
+                </a:solidFill>
+                <a:latin typeface="Body Grotesque Fit Thin"/>
+              </a:rPr>
+              <a:t>, </a:t>
+            </a:r>
+            <a:r>
+              <a:rPr lang="en-US" sz="2899" spc="-57" dirty="0" err="1">
+                <a:solidFill>
+                  <a:srgbClr val="36211B"/>
+                </a:solidFill>
+                <a:latin typeface="Body Grotesque Fit Thin"/>
+              </a:rPr>
+              <a:t>що</a:t>
+            </a:r>
+            <a:r>
+              <a:rPr lang="en-US" sz="2899" spc="-57" dirty="0">
+                <a:solidFill>
+                  <a:srgbClr val="36211B"/>
+                </a:solidFill>
+                <a:latin typeface="Body Grotesque Fit Thin"/>
+              </a:rPr>
+              <a:t> </a:t>
+            </a:r>
+            <a:r>
+              <a:rPr lang="en-US" sz="2899" spc="-57" dirty="0" err="1">
+                <a:solidFill>
+                  <a:srgbClr val="36211B"/>
+                </a:solidFill>
+                <a:latin typeface="Body Grotesque Fit Thin"/>
+              </a:rPr>
+              <a:t>відповідає</a:t>
+            </a:r>
+            <a:r>
+              <a:rPr lang="en-US" sz="2899" spc="-57" dirty="0">
+                <a:solidFill>
+                  <a:srgbClr val="36211B"/>
+                </a:solidFill>
+                <a:latin typeface="Body Grotesque Fit Thin"/>
+              </a:rPr>
+              <a:t> </a:t>
+            </a:r>
+            <a:r>
+              <a:rPr lang="en-US" sz="2899" spc="-57" dirty="0" err="1">
+                <a:solidFill>
+                  <a:srgbClr val="36211B"/>
+                </a:solidFill>
+                <a:latin typeface="Body Grotesque Fit Thin"/>
+              </a:rPr>
+              <a:t>їх</a:t>
+            </a:r>
+            <a:r>
+              <a:rPr lang="en-US" sz="2899" spc="-57" dirty="0">
+                <a:solidFill>
+                  <a:srgbClr val="36211B"/>
+                </a:solidFill>
+                <a:latin typeface="Body Grotesque Fit Thin"/>
+              </a:rPr>
+              <a:t> </a:t>
+            </a:r>
+            <a:r>
+              <a:rPr lang="en-US" sz="2899" spc="-57" dirty="0" err="1">
+                <a:solidFill>
+                  <a:srgbClr val="36211B"/>
+                </a:solidFill>
+                <a:latin typeface="Body Grotesque Fit Thin"/>
+              </a:rPr>
+              <a:t>потребам</a:t>
+            </a:r>
+            <a:r>
+              <a:rPr lang="en-US" sz="2899" spc="-57" dirty="0">
+                <a:solidFill>
+                  <a:srgbClr val="36211B"/>
+                </a:solidFill>
+                <a:latin typeface="Body Grotesque Fit Thin"/>
+              </a:rPr>
+              <a:t> </a:t>
+            </a:r>
+            <a:r>
+              <a:rPr lang="en-US" sz="2899" spc="-57" dirty="0" err="1">
+                <a:solidFill>
+                  <a:srgbClr val="36211B"/>
+                </a:solidFill>
+                <a:latin typeface="Body Grotesque Fit Thin"/>
+              </a:rPr>
+              <a:t>та</a:t>
+            </a:r>
+            <a:r>
+              <a:rPr lang="en-US" sz="2899" spc="-57" dirty="0">
+                <a:solidFill>
+                  <a:srgbClr val="36211B"/>
+                </a:solidFill>
+                <a:latin typeface="Body Grotesque Fit Thin"/>
+              </a:rPr>
+              <a:t> </a:t>
+            </a:r>
+            <a:r>
+              <a:rPr lang="en-US" sz="2899" spc="-57" dirty="0" err="1">
+                <a:solidFill>
+                  <a:srgbClr val="36211B"/>
+                </a:solidFill>
+                <a:latin typeface="Body Grotesque Fit Thin"/>
+              </a:rPr>
+              <a:t>вимогам</a:t>
+            </a:r>
+            <a:r>
+              <a:rPr lang="en-US" sz="2899" spc="-57" dirty="0">
+                <a:solidFill>
+                  <a:srgbClr val="36211B"/>
+                </a:solidFill>
+                <a:latin typeface="Body Grotesque Fit Thin"/>
+              </a:rPr>
+              <a:t>. </a:t>
             </a:r>
           </a:p>
           <a:p>
@@ -3564,7 +4392,7 @@
                 <a:spcPts val="4059"/>
               </a:lnSpc>
             </a:pPr>
-            <a:endParaRPr lang="en-US" sz="2899" spc="-57">
+            <a:endParaRPr lang="en-US" sz="2899" spc="-57" dirty="0">
               <a:solidFill>
                 <a:srgbClr val="36211B"/>
               </a:solidFill>
@@ -3581,13 +4409,409 @@
               </a:spcBef>
             </a:pPr>
             <a:r>
-              <a:rPr lang="en-US" sz="2899" spc="-57">
+              <a:rPr lang="en-US" sz="2899" spc="-57" dirty="0">
                 <a:solidFill>
                   <a:srgbClr val="36211B"/>
                 </a:solidFill>
                 <a:latin typeface="Body Grotesque Fit"/>
               </a:rPr>
-              <a:t>  Актуальність цієї теми обумовлена необхідністю підвищення ефективності роботи компаній, що займаються виготовленням та продажем кам'яних пам'ятників, а також забезпеченням високого рівня обслуговування клієнтів.</a:t>
+              <a:t>  </a:t>
+            </a:r>
+            <a:r>
+              <a:rPr lang="en-US" sz="2899" spc="-57" dirty="0" err="1">
+                <a:solidFill>
+                  <a:srgbClr val="36211B"/>
+                </a:solidFill>
+                <a:latin typeface="Body Grotesque Fit"/>
+              </a:rPr>
+              <a:t>Актуальність</a:t>
+            </a:r>
+            <a:r>
+              <a:rPr lang="en-US" sz="2899" spc="-57" dirty="0">
+                <a:solidFill>
+                  <a:srgbClr val="36211B"/>
+                </a:solidFill>
+                <a:latin typeface="Body Grotesque Fit"/>
+              </a:rPr>
+              <a:t> </a:t>
+            </a:r>
+            <a:r>
+              <a:rPr lang="en-US" sz="2899" spc="-57" dirty="0" err="1">
+                <a:solidFill>
+                  <a:srgbClr val="36211B"/>
+                </a:solidFill>
+                <a:latin typeface="Body Grotesque Fit"/>
+              </a:rPr>
+              <a:t>цієї</a:t>
+            </a:r>
+            <a:r>
+              <a:rPr lang="en-US" sz="2899" spc="-57" dirty="0">
+                <a:solidFill>
+                  <a:srgbClr val="36211B"/>
+                </a:solidFill>
+                <a:latin typeface="Body Grotesque Fit"/>
+              </a:rPr>
+              <a:t> </a:t>
+            </a:r>
+            <a:r>
+              <a:rPr lang="en-US" sz="2899" spc="-57" dirty="0" err="1">
+                <a:solidFill>
+                  <a:srgbClr val="36211B"/>
+                </a:solidFill>
+                <a:latin typeface="Body Grotesque Fit"/>
+              </a:rPr>
+              <a:t>теми</a:t>
+            </a:r>
+            <a:r>
+              <a:rPr lang="en-US" sz="2899" spc="-57" dirty="0">
+                <a:solidFill>
+                  <a:srgbClr val="36211B"/>
+                </a:solidFill>
+                <a:latin typeface="Body Grotesque Fit"/>
+              </a:rPr>
+              <a:t> </a:t>
+            </a:r>
+            <a:r>
+              <a:rPr lang="en-US" sz="2899" spc="-57" dirty="0" err="1">
+                <a:solidFill>
+                  <a:srgbClr val="36211B"/>
+                </a:solidFill>
+                <a:latin typeface="Body Grotesque Fit"/>
+              </a:rPr>
+              <a:t>обумовлена</a:t>
+            </a:r>
+            <a:r>
+              <a:rPr lang="en-US" sz="2899" spc="-57" dirty="0">
+                <a:solidFill>
+                  <a:srgbClr val="36211B"/>
+                </a:solidFill>
+                <a:latin typeface="Body Grotesque Fit"/>
+              </a:rPr>
+              <a:t> </a:t>
+            </a:r>
+            <a:r>
+              <a:rPr lang="en-US" sz="2899" spc="-57" dirty="0" err="1">
+                <a:solidFill>
+                  <a:srgbClr val="36211B"/>
+                </a:solidFill>
+                <a:latin typeface="Body Grotesque Fit"/>
+              </a:rPr>
+              <a:t>необхідністю</a:t>
+            </a:r>
+            <a:r>
+              <a:rPr lang="en-US" sz="2899" spc="-57" dirty="0">
+                <a:solidFill>
+                  <a:srgbClr val="36211B"/>
+                </a:solidFill>
+                <a:latin typeface="Body Grotesque Fit"/>
+              </a:rPr>
+              <a:t> </a:t>
+            </a:r>
+            <a:r>
+              <a:rPr lang="en-US" sz="2899" spc="-57" dirty="0" err="1">
+                <a:solidFill>
+                  <a:srgbClr val="36211B"/>
+                </a:solidFill>
+                <a:latin typeface="Body Grotesque Fit"/>
+              </a:rPr>
+              <a:t>підвищення</a:t>
+            </a:r>
+            <a:r>
+              <a:rPr lang="en-US" sz="2899" spc="-57" dirty="0">
+                <a:solidFill>
+                  <a:srgbClr val="36211B"/>
+                </a:solidFill>
+                <a:latin typeface="Body Grotesque Fit"/>
+              </a:rPr>
+              <a:t> </a:t>
+            </a:r>
+            <a:r>
+              <a:rPr lang="en-US" sz="2899" spc="-57" dirty="0" err="1">
+                <a:solidFill>
+                  <a:srgbClr val="36211B"/>
+                </a:solidFill>
+                <a:latin typeface="Body Grotesque Fit"/>
+              </a:rPr>
+              <a:t>ефективності</a:t>
+            </a:r>
+            <a:r>
+              <a:rPr lang="en-US" sz="2899" spc="-57" dirty="0">
+                <a:solidFill>
+                  <a:srgbClr val="36211B"/>
+                </a:solidFill>
+                <a:latin typeface="Body Grotesque Fit"/>
+              </a:rPr>
+              <a:t> </a:t>
+            </a:r>
+            <a:r>
+              <a:rPr lang="en-US" sz="2899" spc="-57" dirty="0" err="1">
+                <a:solidFill>
+                  <a:srgbClr val="36211B"/>
+                </a:solidFill>
+                <a:latin typeface="Body Grotesque Fit"/>
+              </a:rPr>
+              <a:t>роботи</a:t>
+            </a:r>
+            <a:r>
+              <a:rPr lang="en-US" sz="2899" spc="-57" dirty="0">
+                <a:solidFill>
+                  <a:srgbClr val="36211B"/>
+                </a:solidFill>
+                <a:latin typeface="Body Grotesque Fit"/>
+              </a:rPr>
+              <a:t> </a:t>
+            </a:r>
+            <a:r>
+              <a:rPr lang="en-US" sz="2899" spc="-57" dirty="0" err="1">
+                <a:solidFill>
+                  <a:srgbClr val="36211B"/>
+                </a:solidFill>
+                <a:latin typeface="Body Grotesque Fit"/>
+              </a:rPr>
+              <a:t>компаній</a:t>
+            </a:r>
+            <a:r>
+              <a:rPr lang="en-US" sz="2899" spc="-57" dirty="0">
+                <a:solidFill>
+                  <a:srgbClr val="36211B"/>
+                </a:solidFill>
+                <a:latin typeface="Body Grotesque Fit"/>
+              </a:rPr>
+              <a:t>, </a:t>
+            </a:r>
+            <a:r>
+              <a:rPr lang="en-US" sz="2899" spc="-57" dirty="0" err="1">
+                <a:solidFill>
+                  <a:srgbClr val="36211B"/>
+                </a:solidFill>
+                <a:latin typeface="Body Grotesque Fit"/>
+              </a:rPr>
+              <a:t>що</a:t>
+            </a:r>
+            <a:r>
+              <a:rPr lang="en-US" sz="2899" spc="-57" dirty="0">
+                <a:solidFill>
+                  <a:srgbClr val="36211B"/>
+                </a:solidFill>
+                <a:latin typeface="Body Grotesque Fit"/>
+              </a:rPr>
+              <a:t> </a:t>
+            </a:r>
+            <a:r>
+              <a:rPr lang="en-US" sz="2899" spc="-57" dirty="0" err="1">
+                <a:solidFill>
+                  <a:srgbClr val="36211B"/>
+                </a:solidFill>
+                <a:latin typeface="Body Grotesque Fit"/>
+              </a:rPr>
+              <a:t>займаються</a:t>
+            </a:r>
+            <a:r>
+              <a:rPr lang="en-US" sz="2899" spc="-57" dirty="0">
+                <a:solidFill>
+                  <a:srgbClr val="36211B"/>
+                </a:solidFill>
+                <a:latin typeface="Body Grotesque Fit"/>
+              </a:rPr>
+              <a:t> </a:t>
+            </a:r>
+            <a:r>
+              <a:rPr lang="en-US" sz="2899" spc="-57" dirty="0" err="1">
+                <a:solidFill>
+                  <a:srgbClr val="36211B"/>
+                </a:solidFill>
+                <a:latin typeface="Body Grotesque Fit"/>
+              </a:rPr>
+              <a:t>виготовленням</a:t>
+            </a:r>
+            <a:r>
+              <a:rPr lang="en-US" sz="2899" spc="-57" dirty="0">
+                <a:solidFill>
+                  <a:srgbClr val="36211B"/>
+                </a:solidFill>
+                <a:latin typeface="Body Grotesque Fit"/>
+              </a:rPr>
+              <a:t> </a:t>
+            </a:r>
+            <a:r>
+              <a:rPr lang="en-US" sz="2899" spc="-57" dirty="0" err="1">
+                <a:solidFill>
+                  <a:srgbClr val="36211B"/>
+                </a:solidFill>
+                <a:latin typeface="Body Grotesque Fit"/>
+              </a:rPr>
+              <a:t>та</a:t>
+            </a:r>
+            <a:r>
+              <a:rPr lang="en-US" sz="2899" spc="-57" dirty="0">
+                <a:solidFill>
+                  <a:srgbClr val="36211B"/>
+                </a:solidFill>
+                <a:latin typeface="Body Grotesque Fit"/>
+              </a:rPr>
+              <a:t> </a:t>
+            </a:r>
+            <a:r>
+              <a:rPr lang="en-US" sz="2899" spc="-57" dirty="0" err="1">
+                <a:solidFill>
+                  <a:srgbClr val="36211B"/>
+                </a:solidFill>
+                <a:latin typeface="Body Grotesque Fit"/>
+              </a:rPr>
+              <a:t>продажем</a:t>
+            </a:r>
+            <a:r>
+              <a:rPr lang="en-US" sz="2899" spc="-57" dirty="0">
+                <a:solidFill>
+                  <a:srgbClr val="36211B"/>
+                </a:solidFill>
+                <a:latin typeface="Body Grotesque Fit"/>
+              </a:rPr>
+              <a:t> </a:t>
+            </a:r>
+            <a:r>
+              <a:rPr lang="en-US" sz="2899" spc="-57" dirty="0" err="1">
+                <a:solidFill>
+                  <a:srgbClr val="36211B"/>
+                </a:solidFill>
+                <a:latin typeface="Body Grotesque Fit"/>
+              </a:rPr>
+              <a:t>кам'яних</a:t>
+            </a:r>
+            <a:r>
+              <a:rPr lang="en-US" sz="2899" spc="-57" dirty="0">
+                <a:solidFill>
+                  <a:srgbClr val="36211B"/>
+                </a:solidFill>
+                <a:latin typeface="Body Grotesque Fit"/>
+              </a:rPr>
+              <a:t> </a:t>
+            </a:r>
+            <a:r>
+              <a:rPr lang="en-US" sz="2899" spc="-57" dirty="0" err="1">
+                <a:solidFill>
+                  <a:srgbClr val="36211B"/>
+                </a:solidFill>
+                <a:latin typeface="Body Grotesque Fit"/>
+              </a:rPr>
+              <a:t>пам'ятників</a:t>
+            </a:r>
+            <a:r>
+              <a:rPr lang="en-US" sz="2899" spc="-57" dirty="0">
+                <a:solidFill>
+                  <a:srgbClr val="36211B"/>
+                </a:solidFill>
+                <a:latin typeface="Body Grotesque Fit"/>
+              </a:rPr>
+              <a:t>, а </a:t>
+            </a:r>
+            <a:r>
+              <a:rPr lang="en-US" sz="2899" spc="-57" dirty="0" err="1">
+                <a:solidFill>
+                  <a:srgbClr val="36211B"/>
+                </a:solidFill>
+                <a:latin typeface="Body Grotesque Fit"/>
+              </a:rPr>
+              <a:t>також</a:t>
+            </a:r>
+            <a:r>
+              <a:rPr lang="en-US" sz="2899" spc="-57" dirty="0">
+                <a:solidFill>
+                  <a:srgbClr val="36211B"/>
+                </a:solidFill>
+                <a:latin typeface="Body Grotesque Fit"/>
+              </a:rPr>
+              <a:t> </a:t>
+            </a:r>
+            <a:r>
+              <a:rPr lang="en-US" sz="2899" spc="-57" dirty="0" err="1">
+                <a:solidFill>
+                  <a:srgbClr val="36211B"/>
+                </a:solidFill>
+                <a:latin typeface="Body Grotesque Fit"/>
+              </a:rPr>
+              <a:t>забезпеченням</a:t>
+            </a:r>
+            <a:r>
+              <a:rPr lang="en-US" sz="2899" spc="-57" dirty="0">
+                <a:solidFill>
+                  <a:srgbClr val="36211B"/>
+                </a:solidFill>
+                <a:latin typeface="Body Grotesque Fit"/>
+              </a:rPr>
+              <a:t> </a:t>
+            </a:r>
+            <a:r>
+              <a:rPr lang="en-US" sz="2899" spc="-57" dirty="0" err="1">
+                <a:solidFill>
+                  <a:srgbClr val="36211B"/>
+                </a:solidFill>
+                <a:latin typeface="Body Grotesque Fit"/>
+              </a:rPr>
+              <a:t>високого</a:t>
+            </a:r>
+            <a:r>
+              <a:rPr lang="en-US" sz="2899" spc="-57" dirty="0">
+                <a:solidFill>
+                  <a:srgbClr val="36211B"/>
+                </a:solidFill>
+                <a:latin typeface="Body Grotesque Fit"/>
+              </a:rPr>
+              <a:t> </a:t>
+            </a:r>
+            <a:r>
+              <a:rPr lang="en-US" sz="2899" spc="-57" dirty="0" err="1">
+                <a:solidFill>
+                  <a:srgbClr val="36211B"/>
+                </a:solidFill>
+                <a:latin typeface="Body Grotesque Fit"/>
+              </a:rPr>
+              <a:t>рівня</a:t>
+            </a:r>
+            <a:r>
+              <a:rPr lang="en-US" sz="2899" spc="-57" dirty="0">
+                <a:solidFill>
+                  <a:srgbClr val="36211B"/>
+                </a:solidFill>
+                <a:latin typeface="Body Grotesque Fit"/>
+              </a:rPr>
+              <a:t> </a:t>
+            </a:r>
+            <a:r>
+              <a:rPr lang="en-US" sz="2899" spc="-57" dirty="0" err="1">
+                <a:solidFill>
+                  <a:srgbClr val="36211B"/>
+                </a:solidFill>
+                <a:latin typeface="Body Grotesque Fit"/>
+              </a:rPr>
+              <a:t>обслуговування</a:t>
+            </a:r>
+            <a:r>
+              <a:rPr lang="en-US" sz="2899" spc="-57" dirty="0">
+                <a:solidFill>
+                  <a:srgbClr val="36211B"/>
+                </a:solidFill>
+                <a:latin typeface="Body Grotesque Fit"/>
+              </a:rPr>
+              <a:t> </a:t>
+            </a:r>
+            <a:r>
+              <a:rPr lang="en-US" sz="2899" spc="-57" dirty="0" err="1">
+                <a:solidFill>
+                  <a:srgbClr val="36211B"/>
+                </a:solidFill>
+                <a:latin typeface="Body Grotesque Fit"/>
+              </a:rPr>
+              <a:t>клієнтів</a:t>
+            </a:r>
+            <a:r>
+              <a:rPr lang="en-US" sz="2899" spc="-57" dirty="0">
+                <a:solidFill>
+                  <a:srgbClr val="36211B"/>
+                </a:solidFill>
+                <a:latin typeface="Body Grotesque Fit"/>
+              </a:rPr>
+              <a:t>.</a:t>
             </a:r>
           </a:p>
         </p:txBody>
